--- a/output/reports/presentation.pptx
+++ b/output/reports/presentation.pptx
@@ -201,7 +201,7 @@
           <a:p>
             <a:fld id="{13496CF9-8466-4DEA-9B79-ACB1BA644A92}" type="datetimeFigureOut">
               <a:rPr lang="en-US" smtClean="0"/>
-              <a:t>7/19/2018</a:t>
+              <a:t>7/20/2018</a:t>
             </a:fld>
             <a:endParaRPr lang="en-US"/>
           </a:p>
@@ -650,7 +650,7 @@
           <a:p>
             <a:fld id="{627EF744-1A96-4C0E-9082-654B9F5094B2}" type="datetimeFigureOut">
               <a:rPr lang="en-US" smtClean="0"/>
-              <a:t>7/19/2018</a:t>
+              <a:t>7/20/2018</a:t>
             </a:fld>
             <a:endParaRPr lang="en-US"/>
           </a:p>
@@ -820,7 +820,7 @@
           <a:p>
             <a:fld id="{627EF744-1A96-4C0E-9082-654B9F5094B2}" type="datetimeFigureOut">
               <a:rPr lang="en-US" smtClean="0"/>
-              <a:t>7/19/2018</a:t>
+              <a:t>7/20/2018</a:t>
             </a:fld>
             <a:endParaRPr lang="en-US"/>
           </a:p>
@@ -1000,7 +1000,7 @@
           <a:p>
             <a:fld id="{627EF744-1A96-4C0E-9082-654B9F5094B2}" type="datetimeFigureOut">
               <a:rPr lang="en-US" smtClean="0"/>
-              <a:t>7/19/2018</a:t>
+              <a:t>7/20/2018</a:t>
             </a:fld>
             <a:endParaRPr lang="en-US"/>
           </a:p>
@@ -1170,7 +1170,7 @@
           <a:p>
             <a:fld id="{627EF744-1A96-4C0E-9082-654B9F5094B2}" type="datetimeFigureOut">
               <a:rPr lang="en-US" smtClean="0"/>
-              <a:t>7/19/2018</a:t>
+              <a:t>7/20/2018</a:t>
             </a:fld>
             <a:endParaRPr lang="en-US"/>
           </a:p>
@@ -1416,7 +1416,7 @@
           <a:p>
             <a:fld id="{627EF744-1A96-4C0E-9082-654B9F5094B2}" type="datetimeFigureOut">
               <a:rPr lang="en-US" smtClean="0"/>
-              <a:t>7/19/2018</a:t>
+              <a:t>7/20/2018</a:t>
             </a:fld>
             <a:endParaRPr lang="en-US"/>
           </a:p>
@@ -1704,7 +1704,7 @@
           <a:p>
             <a:fld id="{627EF744-1A96-4C0E-9082-654B9F5094B2}" type="datetimeFigureOut">
               <a:rPr lang="en-US" smtClean="0"/>
-              <a:t>7/19/2018</a:t>
+              <a:t>7/20/2018</a:t>
             </a:fld>
             <a:endParaRPr lang="en-US"/>
           </a:p>
@@ -2126,7 +2126,7 @@
           <a:p>
             <a:fld id="{627EF744-1A96-4C0E-9082-654B9F5094B2}" type="datetimeFigureOut">
               <a:rPr lang="en-US" smtClean="0"/>
-              <a:t>7/19/2018</a:t>
+              <a:t>7/20/2018</a:t>
             </a:fld>
             <a:endParaRPr lang="en-US"/>
           </a:p>
@@ -2244,7 +2244,7 @@
           <a:p>
             <a:fld id="{627EF744-1A96-4C0E-9082-654B9F5094B2}" type="datetimeFigureOut">
               <a:rPr lang="en-US" smtClean="0"/>
-              <a:t>7/19/2018</a:t>
+              <a:t>7/20/2018</a:t>
             </a:fld>
             <a:endParaRPr lang="en-US"/>
           </a:p>
@@ -2339,7 +2339,7 @@
           <a:p>
             <a:fld id="{627EF744-1A96-4C0E-9082-654B9F5094B2}" type="datetimeFigureOut">
               <a:rPr lang="en-US" smtClean="0"/>
-              <a:t>7/19/2018</a:t>
+              <a:t>7/20/2018</a:t>
             </a:fld>
             <a:endParaRPr lang="en-US"/>
           </a:p>
@@ -2616,7 +2616,7 @@
           <a:p>
             <a:fld id="{627EF744-1A96-4C0E-9082-654B9F5094B2}" type="datetimeFigureOut">
               <a:rPr lang="en-US" smtClean="0"/>
-              <a:t>7/19/2018</a:t>
+              <a:t>7/20/2018</a:t>
             </a:fld>
             <a:endParaRPr lang="en-US"/>
           </a:p>
@@ -2869,7 +2869,7 @@
           <a:p>
             <a:fld id="{627EF744-1A96-4C0E-9082-654B9F5094B2}" type="datetimeFigureOut">
               <a:rPr lang="en-US" smtClean="0"/>
-              <a:t>7/19/2018</a:t>
+              <a:t>7/20/2018</a:t>
             </a:fld>
             <a:endParaRPr lang="en-US"/>
           </a:p>
@@ -3082,7 +3082,7 @@
           <a:p>
             <a:fld id="{627EF744-1A96-4C0E-9082-654B9F5094B2}" type="datetimeFigureOut">
               <a:rPr lang="en-US" smtClean="0"/>
-              <a:t>7/19/2018</a:t>
+              <a:t>7/20/2018</a:t>
             </a:fld>
             <a:endParaRPr lang="en-US"/>
           </a:p>
@@ -3484,13 +3484,6 @@
               </a:rPr>
               <a:t>A Comparison of Shallow and Deep Learning Methods for Earnings Forecasts</a:t>
             </a:r>
-            <a:endParaRPr lang="en-US" dirty="0">
-              <a:solidFill>
-                <a:schemeClr val="tx2">
-                  <a:lumMod val="75000"/>
-                </a:schemeClr>
-              </a:solidFill>
-            </a:endParaRPr>
           </a:p>
         </p:txBody>
       </p:sp>
@@ -3513,20 +3506,14 @@
           <a:p>
             <a:r>
               <a:rPr lang="en-US" dirty="0" smtClean="0"/>
-              <a:t>Reginald </a:t>
-            </a:r>
-            <a:r>
-              <a:rPr lang="en-US" dirty="0" smtClean="0"/>
-              <a:t>Edwards, PhD</a:t>
-            </a:r>
-            <a:endParaRPr lang="en-US" dirty="0" smtClean="0"/>
+              <a:t>Reginald Edwards, PhD</a:t>
+            </a:r>
           </a:p>
           <a:p>
             <a:r>
               <a:rPr lang="en-US" sz="2400" dirty="0" smtClean="0"/>
               <a:t>July 2018</a:t>
             </a:r>
-            <a:endParaRPr lang="en-US" sz="2400" dirty="0" smtClean="0"/>
           </a:p>
         </p:txBody>
       </p:sp>
@@ -3815,7 +3802,17 @@
           <a:bodyPr/>
           <a:lstStyle/>
           <a:p>
-            <a:endParaRPr lang="en-US"/>
+            <a:r>
+              <a:rPr lang="en-US" dirty="0" smtClean="0"/>
+              <a:t>Highlight NBER recessions</a:t>
+            </a:r>
+          </a:p>
+          <a:p>
+            <a:r>
+              <a:rPr lang="en-US" dirty="0" smtClean="0"/>
+              <a:t>Add industry average</a:t>
+            </a:r>
+            <a:endParaRPr lang="en-US" dirty="0"/>
           </a:p>
         </p:txBody>
       </p:sp>
@@ -3898,6 +3895,18 @@
           <a:bodyPr/>
           <a:lstStyle/>
           <a:p>
+            <a:r>
+              <a:rPr lang="en-US" dirty="0"/>
+              <a:t>Highlight NBER recessions</a:t>
+            </a:r>
+          </a:p>
+          <a:p>
+            <a:r>
+              <a:rPr lang="en-US"/>
+              <a:t>Add industry average</a:t>
+            </a:r>
+          </a:p>
+          <a:p>
             <a:endParaRPr lang="en-US"/>
           </a:p>
         </p:txBody>
@@ -4003,11 +4012,7 @@
             </a:r>
             <a:r>
               <a:rPr lang="en-US" sz="2400" dirty="0" smtClean="0"/>
-              <a:t>assets</a:t>
-            </a:r>
-            <a:r>
-              <a:rPr lang="en-US" sz="2400" dirty="0" smtClean="0"/>
-              <a:t>)</a:t>
+              <a:t>assets)</a:t>
             </a:r>
             <a:endParaRPr lang="en-US" sz="2400" dirty="0" smtClean="0">
               <a:solidFill>
@@ -4018,21 +4023,13 @@
           <a:p>
             <a:r>
               <a:rPr lang="en-US" sz="2400" b="1" dirty="0" smtClean="0"/>
-              <a:t>Future </a:t>
-            </a:r>
+              <a:t>Future Net Income (earnings) </a:t>
+            </a:r>
+          </a:p>
+          <a:p>
             <a:r>
               <a:rPr lang="en-US" sz="2400" b="1" dirty="0" smtClean="0"/>
-              <a:t>Net Income (earnings) </a:t>
-            </a:r>
-          </a:p>
-          <a:p>
-            <a:r>
-              <a:rPr lang="en-US" sz="2400" b="1" dirty="0" smtClean="0"/>
-              <a:t>Future </a:t>
-            </a:r>
-            <a:r>
-              <a:rPr lang="en-US" sz="2400" b="1" dirty="0" smtClean="0"/>
-              <a:t>negative </a:t>
+              <a:t>Future negative </a:t>
             </a:r>
             <a:r>
               <a:rPr lang="en-US" sz="2400" b="1" dirty="0"/>
@@ -4040,22 +4037,13 @@
             </a:r>
             <a:r>
               <a:rPr lang="en-US" sz="2400" b="1" dirty="0" smtClean="0"/>
-              <a:t>arnings </a:t>
-            </a:r>
+              <a:t>arnings indicator</a:t>
+            </a:r>
+          </a:p>
+          <a:p>
             <a:r>
               <a:rPr lang="en-US" sz="2400" b="1" dirty="0" smtClean="0"/>
-              <a:t>indicator</a:t>
-            </a:r>
-            <a:endParaRPr lang="en-US" sz="2400" b="1" dirty="0" smtClean="0"/>
-          </a:p>
-          <a:p>
-            <a:r>
-              <a:rPr lang="en-US" sz="2400" b="1" dirty="0" smtClean="0"/>
-              <a:t>Future earnings decline </a:t>
-            </a:r>
-            <a:r>
-              <a:rPr lang="en-US" sz="2400" b="1" dirty="0" smtClean="0"/>
-              <a:t>indicator</a:t>
+              <a:t>Future earnings decline indicator</a:t>
             </a:r>
             <a:endParaRPr lang="en-US" sz="2400" dirty="0"/>
           </a:p>
@@ -4169,11 +4157,7 @@
             </a:r>
             <a:r>
               <a:rPr lang="en-US" sz="2400" dirty="0" smtClean="0"/>
-              <a:t>assets</a:t>
-            </a:r>
-            <a:r>
-              <a:rPr lang="en-US" sz="2400" dirty="0" smtClean="0"/>
-              <a:t>)</a:t>
+              <a:t>assets)</a:t>
             </a:r>
             <a:endParaRPr lang="en-US" sz="2400" dirty="0" smtClean="0">
               <a:solidFill>
@@ -4184,21 +4168,13 @@
           <a:p>
             <a:r>
               <a:rPr lang="en-US" sz="2400" b="1" dirty="0" smtClean="0"/>
-              <a:t>Future </a:t>
-            </a:r>
+              <a:t>Future Net Income (earnings) </a:t>
+            </a:r>
+          </a:p>
+          <a:p>
             <a:r>
               <a:rPr lang="en-US" sz="2400" b="1" dirty="0" smtClean="0"/>
-              <a:t>Net Income (earnings) </a:t>
-            </a:r>
-          </a:p>
-          <a:p>
-            <a:r>
-              <a:rPr lang="en-US" sz="2400" b="1" dirty="0" smtClean="0"/>
-              <a:t>Future </a:t>
-            </a:r>
-            <a:r>
-              <a:rPr lang="en-US" sz="2400" b="1" dirty="0" smtClean="0"/>
-              <a:t>negative </a:t>
+              <a:t>Future negative </a:t>
             </a:r>
             <a:r>
               <a:rPr lang="en-US" sz="2400" b="1" dirty="0"/>
@@ -4206,22 +4182,13 @@
             </a:r>
             <a:r>
               <a:rPr lang="en-US" sz="2400" b="1" dirty="0" smtClean="0"/>
-              <a:t>arnings </a:t>
-            </a:r>
+              <a:t>arnings indicator</a:t>
+            </a:r>
+          </a:p>
+          <a:p>
             <a:r>
               <a:rPr lang="en-US" sz="2400" b="1" dirty="0" smtClean="0"/>
-              <a:t>indicator</a:t>
-            </a:r>
-            <a:endParaRPr lang="en-US" sz="2400" b="1" dirty="0" smtClean="0"/>
-          </a:p>
-          <a:p>
-            <a:r>
-              <a:rPr lang="en-US" sz="2400" b="1" dirty="0" smtClean="0"/>
-              <a:t>Future earnings decline </a:t>
-            </a:r>
-            <a:r>
-              <a:rPr lang="en-US" sz="2400" b="1" dirty="0" smtClean="0"/>
-              <a:t>indicator</a:t>
+              <a:t>Future earnings decline indicator</a:t>
             </a:r>
             <a:endParaRPr lang="en-US" sz="2400" dirty="0"/>
           </a:p>
